--- a/Presentasi - PHRI.pptx
+++ b/Presentasi - PHRI.pptx
@@ -1947,6 +1947,13 @@
         </dgm:presLayoutVars>
       </dgm:prSet>
       <dgm:spPr/>
+      <dgm:t>
+        <a:bodyPr/>
+        <a:lstStyle/>
+        <a:p>
+          <a:endParaRPr lang="en-US"/>
+        </a:p>
+      </dgm:t>
     </dgm:pt>
     <dgm:pt modelId="{6A575319-2255-4BBF-BEF8-81AE583C5CF7}" type="pres">
       <dgm:prSet presAssocID="{3B4CF1E9-5472-4972-AABC-7328623DA0C0}" presName="vertOne" presStyleCnt="0"/>
@@ -1986,6 +1993,13 @@
         </dgm:presLayoutVars>
       </dgm:prSet>
       <dgm:spPr/>
+      <dgm:t>
+        <a:bodyPr/>
+        <a:lstStyle/>
+        <a:p>
+          <a:endParaRPr lang="en-US"/>
+        </a:p>
+      </dgm:t>
     </dgm:pt>
     <dgm:pt modelId="{A24AAB84-F55B-4998-BE47-187C51AAAA73}" type="pres">
       <dgm:prSet presAssocID="{0ABEA9EF-A2CD-4DDB-8E59-502333786E35}" presName="parTransTwo" presStyleCnt="0"/>
@@ -2128,21 +2142,21 @@
     </dgm:pt>
   </dgm:ptLst>
   <dgm:cxnLst>
-    <dgm:cxn modelId="{0E354CA4-0FE5-49DA-9CF0-CFE504A2205B}" type="presOf" srcId="{C243F31E-D20F-46EA-A946-9E94846AD755}" destId="{423739BF-0DE0-4B39-AB79-50DE6264A138}" srcOrd="0" destOrd="0" presId="urn:microsoft.com/office/officeart/2005/8/layout/hierarchy4"/>
-    <dgm:cxn modelId="{A782B52B-487A-4FBB-951F-D52DB4BBAE26}" type="presOf" srcId="{3B4CF1E9-5472-4972-AABC-7328623DA0C0}" destId="{3FDFA56E-EF9C-4E47-BC95-4262E13459B7}" srcOrd="0" destOrd="0" presId="urn:microsoft.com/office/officeart/2005/8/layout/hierarchy4"/>
-    <dgm:cxn modelId="{FD98C538-5871-47F1-B74F-234ED88B3B4A}" srcId="{3B4CF1E9-5472-4972-AABC-7328623DA0C0}" destId="{0ABEA9EF-A2CD-4DDB-8E59-502333786E35}" srcOrd="0" destOrd="0" parTransId="{D1490D56-4ECC-4B85-9E59-68F71637D94F}" sibTransId="{54A8C2B6-A0D1-4CDB-90DF-F71A5E11CBED}"/>
-    <dgm:cxn modelId="{80C56FE3-5197-4EC8-97E8-A52B0126799A}" type="presOf" srcId="{DFCEBA67-CD07-491E-81F4-F02B0E24B1B5}" destId="{7A330D2B-3EC8-4313-AD95-6A173DE1AB16}" srcOrd="0" destOrd="0" presId="urn:microsoft.com/office/officeart/2005/8/layout/hierarchy4"/>
-    <dgm:cxn modelId="{D91E0AC6-47A7-4528-81B9-B9090028FA5F}" type="presOf" srcId="{287285DD-4E19-4F64-82D8-8728CF753F93}" destId="{1C39228F-6D6F-4208-A1D1-D2762CDCA022}" srcOrd="0" destOrd="0" presId="urn:microsoft.com/office/officeart/2005/8/layout/hierarchy4"/>
+    <dgm:cxn modelId="{0171C728-CFC5-40A7-A9FA-3307DF554EE9}" type="presOf" srcId="{0ABEA9EF-A2CD-4DDB-8E59-502333786E35}" destId="{2FD48708-A6AC-4CA6-9FD5-46451CE703F2}" srcOrd="0" destOrd="0" presId="urn:microsoft.com/office/officeart/2005/8/layout/hierarchy4"/>
     <dgm:cxn modelId="{0C5B4429-ADEC-44F8-BABB-8F3747CEE999}" type="presOf" srcId="{AAFDF68D-DCC7-4275-BD05-47FF6D0A74F2}" destId="{894444D7-4808-4735-8ED4-AB18EE589B70}" srcOrd="0" destOrd="0" presId="urn:microsoft.com/office/officeart/2005/8/layout/hierarchy4"/>
     <dgm:cxn modelId="{2062EEDB-9924-48D7-98FF-E3C6C1EEB885}" srcId="{AAFDF68D-DCC7-4275-BD05-47FF6D0A74F2}" destId="{287285DD-4E19-4F64-82D8-8728CF753F93}" srcOrd="0" destOrd="0" parTransId="{C32668E6-420E-4942-A310-67A2B4E019EA}" sibTransId="{FC4FEC82-099C-4A67-BC0B-3F6B5DE44DEC}"/>
-    <dgm:cxn modelId="{270BD512-29DA-4B88-837B-AEA75F5D8007}" srcId="{3B4CF1E9-5472-4972-AABC-7328623DA0C0}" destId="{AAFDF68D-DCC7-4275-BD05-47FF6D0A74F2}" srcOrd="2" destOrd="0" parTransId="{9C21F68A-668E-40BF-807B-F00CD19F9170}" sibTransId="{0889B4B1-D55B-46E7-89E4-04CB90A8DA91}"/>
-    <dgm:cxn modelId="{0171C728-CFC5-40A7-A9FA-3307DF554EE9}" type="presOf" srcId="{0ABEA9EF-A2CD-4DDB-8E59-502333786E35}" destId="{2FD48708-A6AC-4CA6-9FD5-46451CE703F2}" srcOrd="0" destOrd="0" presId="urn:microsoft.com/office/officeart/2005/8/layout/hierarchy4"/>
-    <dgm:cxn modelId="{C9DC1E4F-72C5-48A8-BF03-45A66746AED5}" srcId="{C243F31E-D20F-46EA-A946-9E94846AD755}" destId="{143E22F6-FF90-47CA-B973-994492387733}" srcOrd="0" destOrd="0" parTransId="{ED519F47-B5C2-4BB9-B4E4-77A725DD399A}" sibTransId="{68AB24F0-E6CF-44B8-95AF-C8C67D7E523B}"/>
+    <dgm:cxn modelId="{FD98C538-5871-47F1-B74F-234ED88B3B4A}" srcId="{3B4CF1E9-5472-4972-AABC-7328623DA0C0}" destId="{0ABEA9EF-A2CD-4DDB-8E59-502333786E35}" srcOrd="0" destOrd="0" parTransId="{D1490D56-4ECC-4B85-9E59-68F71637D94F}" sibTransId="{54A8C2B6-A0D1-4CDB-90DF-F71A5E11CBED}"/>
     <dgm:cxn modelId="{0A97B411-6FCD-4A85-BDE1-73F53930FB0E}" type="presOf" srcId="{143E22F6-FF90-47CA-B973-994492387733}" destId="{B9AEC04D-C933-497F-80FF-DCD9C97601B0}" srcOrd="0" destOrd="0" presId="urn:microsoft.com/office/officeart/2005/8/layout/hierarchy4"/>
     <dgm:cxn modelId="{30F4C546-3335-4F52-A605-86104B61255F}" type="presOf" srcId="{9534270B-667D-42F1-84F1-582201026974}" destId="{827BB11F-1F62-4852-BBDF-9F87A60F04F4}" srcOrd="0" destOrd="0" presId="urn:microsoft.com/office/officeart/2005/8/layout/hierarchy4"/>
+    <dgm:cxn modelId="{270BD512-29DA-4B88-837B-AEA75F5D8007}" srcId="{3B4CF1E9-5472-4972-AABC-7328623DA0C0}" destId="{AAFDF68D-DCC7-4275-BD05-47FF6D0A74F2}" srcOrd="2" destOrd="0" parTransId="{9C21F68A-668E-40BF-807B-F00CD19F9170}" sibTransId="{0889B4B1-D55B-46E7-89E4-04CB90A8DA91}"/>
+    <dgm:cxn modelId="{57DECD18-D6FC-4FEE-AE8E-65D50B961D55}" srcId="{3B4CF1E9-5472-4972-AABC-7328623DA0C0}" destId="{C243F31E-D20F-46EA-A946-9E94846AD755}" srcOrd="1" destOrd="0" parTransId="{482BE87E-9943-4C6A-AE29-0FB9F2E68607}" sibTransId="{A2CD10C7-3268-474C-A976-D1D0D5237B83}"/>
+    <dgm:cxn modelId="{C9DC1E4F-72C5-48A8-BF03-45A66746AED5}" srcId="{C243F31E-D20F-46EA-A946-9E94846AD755}" destId="{143E22F6-FF90-47CA-B973-994492387733}" srcOrd="0" destOrd="0" parTransId="{ED519F47-B5C2-4BB9-B4E4-77A725DD399A}" sibTransId="{68AB24F0-E6CF-44B8-95AF-C8C67D7E523B}"/>
+    <dgm:cxn modelId="{D91E0AC6-47A7-4528-81B9-B9090028FA5F}" type="presOf" srcId="{287285DD-4E19-4F64-82D8-8728CF753F93}" destId="{1C39228F-6D6F-4208-A1D1-D2762CDCA022}" srcOrd="0" destOrd="0" presId="urn:microsoft.com/office/officeart/2005/8/layout/hierarchy4"/>
+    <dgm:cxn modelId="{A782B52B-487A-4FBB-951F-D52DB4BBAE26}" type="presOf" srcId="{3B4CF1E9-5472-4972-AABC-7328623DA0C0}" destId="{3FDFA56E-EF9C-4E47-BC95-4262E13459B7}" srcOrd="0" destOrd="0" presId="urn:microsoft.com/office/officeart/2005/8/layout/hierarchy4"/>
+    <dgm:cxn modelId="{0E354CA4-0FE5-49DA-9CF0-CFE504A2205B}" type="presOf" srcId="{C243F31E-D20F-46EA-A946-9E94846AD755}" destId="{423739BF-0DE0-4B39-AB79-50DE6264A138}" srcOrd="0" destOrd="0" presId="urn:microsoft.com/office/officeart/2005/8/layout/hierarchy4"/>
+    <dgm:cxn modelId="{80C56FE3-5197-4EC8-97E8-A52B0126799A}" type="presOf" srcId="{DFCEBA67-CD07-491E-81F4-F02B0E24B1B5}" destId="{7A330D2B-3EC8-4313-AD95-6A173DE1AB16}" srcOrd="0" destOrd="0" presId="urn:microsoft.com/office/officeart/2005/8/layout/hierarchy4"/>
     <dgm:cxn modelId="{05472370-7A40-4DBA-84EA-77749E4EE406}" srcId="{9534270B-667D-42F1-84F1-582201026974}" destId="{3B4CF1E9-5472-4972-AABC-7328623DA0C0}" srcOrd="0" destOrd="0" parTransId="{F422EFF2-0731-4CED-808F-9845B2113BE0}" sibTransId="{9B10EEF1-1D88-4FC5-8E73-3FAC33860B51}"/>
     <dgm:cxn modelId="{38F84BA3-C0B6-439E-9404-F41D724F78E2}" srcId="{0ABEA9EF-A2CD-4DDB-8E59-502333786E35}" destId="{DFCEBA67-CD07-491E-81F4-F02B0E24B1B5}" srcOrd="0" destOrd="0" parTransId="{530386DB-DDF8-4D55-B935-C2BB49D17CEC}" sibTransId="{87ED87C9-F329-49FA-BC3A-C0A2CEFFA764}"/>
-    <dgm:cxn modelId="{57DECD18-D6FC-4FEE-AE8E-65D50B961D55}" srcId="{3B4CF1E9-5472-4972-AABC-7328623DA0C0}" destId="{C243F31E-D20F-46EA-A946-9E94846AD755}" srcOrd="1" destOrd="0" parTransId="{482BE87E-9943-4C6A-AE29-0FB9F2E68607}" sibTransId="{A2CD10C7-3268-474C-A976-D1D0D5237B83}"/>
     <dgm:cxn modelId="{7458BDA2-840F-4C45-BF59-B4B711CC97AD}" type="presParOf" srcId="{827BB11F-1F62-4852-BBDF-9F87A60F04F4}" destId="{6A575319-2255-4BBF-BEF8-81AE583C5CF7}" srcOrd="0" destOrd="0" presId="urn:microsoft.com/office/officeart/2005/8/layout/hierarchy4"/>
     <dgm:cxn modelId="{156654E2-017B-4E55-A6DD-96B7273DBBE6}" type="presParOf" srcId="{6A575319-2255-4BBF-BEF8-81AE583C5CF7}" destId="{3FDFA56E-EF9C-4E47-BC95-4262E13459B7}" srcOrd="0" destOrd="0" presId="urn:microsoft.com/office/officeart/2005/8/layout/hierarchy4"/>
     <dgm:cxn modelId="{916A9AA8-BA23-45B3-8031-0516B22AC75F}" type="presParOf" srcId="{6A575319-2255-4BBF-BEF8-81AE583C5CF7}" destId="{928A66E8-96B3-4A8D-A12B-CE931EDBFA53}" srcOrd="1" destOrd="0" presId="urn:microsoft.com/office/officeart/2005/8/layout/hierarchy4"/>
@@ -2586,6 +2600,13 @@
         </dgm:presLayoutVars>
       </dgm:prSet>
       <dgm:spPr/>
+      <dgm:t>
+        <a:bodyPr/>
+        <a:lstStyle/>
+        <a:p>
+          <a:endParaRPr lang="en-US"/>
+        </a:p>
+      </dgm:t>
     </dgm:pt>
     <dgm:pt modelId="{64922FEF-C27D-4CA4-B129-5F299182AA43}" type="pres">
       <dgm:prSet presAssocID="{24113464-EEDE-4CE6-8120-E29219778DBC}" presName="composite" presStyleCnt="0"/>
@@ -2599,6 +2620,13 @@
         </dgm:presLayoutVars>
       </dgm:prSet>
       <dgm:spPr/>
+      <dgm:t>
+        <a:bodyPr/>
+        <a:lstStyle/>
+        <a:p>
+          <a:endParaRPr lang="en-US"/>
+        </a:p>
+      </dgm:t>
     </dgm:pt>
     <dgm:pt modelId="{73098746-69B2-4AF1-BC0E-6A7760E9CC03}" type="pres">
       <dgm:prSet presAssocID="{24113464-EEDE-4CE6-8120-E29219778DBC}" presName="descendantText" presStyleLbl="alignAcc1" presStyleIdx="0" presStyleCnt="3">
@@ -2631,6 +2659,13 @@
         </dgm:presLayoutVars>
       </dgm:prSet>
       <dgm:spPr/>
+      <dgm:t>
+        <a:bodyPr/>
+        <a:lstStyle/>
+        <a:p>
+          <a:endParaRPr lang="en-US"/>
+        </a:p>
+      </dgm:t>
     </dgm:pt>
     <dgm:pt modelId="{0C56EEAA-56FE-406E-9E8F-3BEC9BBE0929}" type="pres">
       <dgm:prSet presAssocID="{8BB841B6-38E4-4CEB-B392-830F2F65F6E7}" presName="descendantText" presStyleLbl="alignAcc1" presStyleIdx="1" presStyleCnt="3">
@@ -2663,6 +2698,13 @@
         </dgm:presLayoutVars>
       </dgm:prSet>
       <dgm:spPr/>
+      <dgm:t>
+        <a:bodyPr/>
+        <a:lstStyle/>
+        <a:p>
+          <a:endParaRPr lang="en-US"/>
+        </a:p>
+      </dgm:t>
     </dgm:pt>
     <dgm:pt modelId="{A48A7601-47BA-486D-8486-FA58DEC3525F}" type="pres">
       <dgm:prSet presAssocID="{4E9F4621-9A34-4914-BB6C-6E3DF333CE2B}" presName="descendantText" presStyleLbl="alignAcc1" presStyleIdx="2" presStyleCnt="3">
@@ -2682,8 +2724,8 @@
   </dgm:ptLst>
   <dgm:cxnLst>
     <dgm:cxn modelId="{F8A491C7-056B-43E4-BAD9-44343A008EBB}" srcId="{4E9F4621-9A34-4914-BB6C-6E3DF333CE2B}" destId="{4266230D-DC99-47F6-91FF-4F96B22134D7}" srcOrd="1" destOrd="0" parTransId="{060A5BE9-02C8-4470-9CEB-F7D8442DD63F}" sibTransId="{805BDD00-47FA-49FF-9AB7-471454B08F03}"/>
+    <dgm:cxn modelId="{EEF9927F-7A98-4C4A-85D5-64247D3AB1DD}" type="presOf" srcId="{8BB841B6-38E4-4CEB-B392-830F2F65F6E7}" destId="{2A3AE0C9-6D26-4AAD-943C-4279768D076A}" srcOrd="0" destOrd="0" presId="urn:microsoft.com/office/officeart/2005/8/layout/chevron2"/>
     <dgm:cxn modelId="{703DE423-B7B3-436A-9F68-EF0129296692}" srcId="{77DEA336-D0BC-4C10-ABEE-7B05397EFF19}" destId="{8BB841B6-38E4-4CEB-B392-830F2F65F6E7}" srcOrd="1" destOrd="0" parTransId="{9E0446E2-F251-41D6-A265-1B1D30973F11}" sibTransId="{C3979AE5-4E42-4E73-B02D-50033FC9A229}"/>
-    <dgm:cxn modelId="{EEF9927F-7A98-4C4A-85D5-64247D3AB1DD}" type="presOf" srcId="{8BB841B6-38E4-4CEB-B392-830F2F65F6E7}" destId="{2A3AE0C9-6D26-4AAD-943C-4279768D076A}" srcOrd="0" destOrd="0" presId="urn:microsoft.com/office/officeart/2005/8/layout/chevron2"/>
     <dgm:cxn modelId="{A37734A2-770C-4FFE-A36A-8F8E6195D674}" type="presOf" srcId="{CCB469FE-4047-4B74-AF25-69B814732BF2}" destId="{0C56EEAA-56FE-406E-9E8F-3BEC9BBE0929}" srcOrd="0" destOrd="1" presId="urn:microsoft.com/office/officeart/2005/8/layout/chevron2"/>
     <dgm:cxn modelId="{3BE5358E-A30F-48B9-8ABB-56851AE058A2}" type="presOf" srcId="{CDCFAD25-1CA6-4746-A15B-AA5EEF2464F9}" destId="{73098746-69B2-4AF1-BC0E-6A7760E9CC03}" srcOrd="0" destOrd="0" presId="urn:microsoft.com/office/officeart/2005/8/layout/chevron2"/>
     <dgm:cxn modelId="{48B035F4-997F-42B3-A692-5AD3F9C9151A}" type="presOf" srcId="{77DEA336-D0BC-4C10-ABEE-7B05397EFF19}" destId="{9891C846-4FCA-4BFC-9DFE-3E0AF6E18BC6}" srcOrd="0" destOrd="0" presId="urn:microsoft.com/office/officeart/2005/8/layout/chevron2"/>
@@ -2692,8 +2734,8 @@
     <dgm:cxn modelId="{A011981C-5546-49F5-8F20-EF2498E4884D}" type="presOf" srcId="{4266230D-DC99-47F6-91FF-4F96B22134D7}" destId="{A48A7601-47BA-486D-8486-FA58DEC3525F}" srcOrd="0" destOrd="1" presId="urn:microsoft.com/office/officeart/2005/8/layout/chevron2"/>
     <dgm:cxn modelId="{AE38E0B1-3E2A-48AC-99BC-1AD8B4D8F90F}" type="presOf" srcId="{24113464-EEDE-4CE6-8120-E29219778DBC}" destId="{CEA871C1-A8A2-4E6D-9724-0C826E172CC9}" srcOrd="0" destOrd="0" presId="urn:microsoft.com/office/officeart/2005/8/layout/chevron2"/>
     <dgm:cxn modelId="{B03447CE-F3D0-4BD9-A8A6-4B2567567094}" type="presOf" srcId="{B3CE8205-9BAF-439D-8A0D-197C0867FDEC}" destId="{73098746-69B2-4AF1-BC0E-6A7760E9CC03}" srcOrd="0" destOrd="1" presId="urn:microsoft.com/office/officeart/2005/8/layout/chevron2"/>
+    <dgm:cxn modelId="{B585C1A9-812F-455A-BF6B-3CF5BB905751}" type="presOf" srcId="{4E9F4621-9A34-4914-BB6C-6E3DF333CE2B}" destId="{B559FD52-59B1-433C-BCB1-0406110B5F9D}" srcOrd="0" destOrd="0" presId="urn:microsoft.com/office/officeart/2005/8/layout/chevron2"/>
     <dgm:cxn modelId="{73C3FBF0-43EE-4705-90D6-B8980325A31B}" srcId="{4E9F4621-9A34-4914-BB6C-6E3DF333CE2B}" destId="{355EF393-2841-456A-BAA4-E0E6B89E7077}" srcOrd="0" destOrd="0" parTransId="{CD9B8356-FF8D-4AF5-828B-34DD8CC96781}" sibTransId="{F221E900-6714-4C73-A61D-1005F9675C6C}"/>
-    <dgm:cxn modelId="{B585C1A9-812F-455A-BF6B-3CF5BB905751}" type="presOf" srcId="{4E9F4621-9A34-4914-BB6C-6E3DF333CE2B}" destId="{B559FD52-59B1-433C-BCB1-0406110B5F9D}" srcOrd="0" destOrd="0" presId="urn:microsoft.com/office/officeart/2005/8/layout/chevron2"/>
     <dgm:cxn modelId="{4AFCBCCD-148C-49C5-9DBF-00DA39F60096}" srcId="{77DEA336-D0BC-4C10-ABEE-7B05397EFF19}" destId="{24113464-EEDE-4CE6-8120-E29219778DBC}" srcOrd="0" destOrd="0" parTransId="{8D09BF18-F812-4774-A78D-E3E551D6EBCF}" sibTransId="{1A8D26B1-D049-407B-B063-58E3A5FE9513}"/>
     <dgm:cxn modelId="{1AB6546F-C556-4458-BAAD-1ACAAE7BA867}" srcId="{24113464-EEDE-4CE6-8120-E29219778DBC}" destId="{B3CE8205-9BAF-439D-8A0D-197C0867FDEC}" srcOrd="1" destOrd="0" parTransId="{C49C4A8F-E6A6-48C3-8022-8582D78796F9}" sibTransId="{38EF230B-FDE6-451C-989F-E7FCE0475D31}"/>
     <dgm:cxn modelId="{99F749F3-EFE6-4597-BCFD-8452B0554D2E}" srcId="{24113464-EEDE-4CE6-8120-E29219778DBC}" destId="{CDCFAD25-1CA6-4746-A15B-AA5EEF2464F9}" srcOrd="0" destOrd="0" parTransId="{E98719C5-153F-4BEC-B925-B8C988BAAE69}" sibTransId="{9A29062A-3E84-49D0-BEEC-E5766A3D6014}"/>
@@ -19879,7 +19921,19 @@
           <a:p>
             <a:r>
               <a:rPr lang="en-US" dirty="0" smtClean="0"/>
-              <a:t>Sistem Monitoring Pajak Indonesia</a:t>
+              <a:t>Sistem Monitoring </a:t>
+            </a:r>
+            <a:r>
+              <a:rPr lang="en-US" dirty="0" smtClean="0"/>
+              <a:t>Transaksi Restoran</a:t>
+            </a:r>
+            <a:r>
+              <a:rPr lang="en-US" dirty="0" smtClean="0"/>
+              <a:t> </a:t>
+            </a:r>
+            <a:r>
+              <a:rPr lang="en-US" dirty="0" smtClean="0"/>
+              <a:t>Indonesia</a:t>
             </a:r>
             <a:endParaRPr lang="en-US" dirty="0"/>
           </a:p>
@@ -20202,12 +20256,35 @@
       </p:sp>
       <p:sp>
         <p:nvSpPr>
+          <p:cNvPr id="2" name="Text Placeholder 1"/>
+          <p:cNvSpPr>
+            <a:spLocks noGrp="1"/>
+          </p:cNvSpPr>
+          <p:nvPr>
+            <p:ph type="body" idx="1"/>
+          </p:nvPr>
+        </p:nvSpPr>
+        <p:spPr/>
+        <p:txBody>
+          <a:bodyPr/>
+          <a:lstStyle/>
+          <a:p>
+            <a:r>
+              <a:rPr lang="en-US" dirty="0" smtClean="0"/>
+              <a:t>Untuk management restoran</a:t>
+            </a:r>
+            <a:endParaRPr lang="en-US" dirty="0"/>
+          </a:p>
+        </p:txBody>
+      </p:sp>
+      <p:sp>
+        <p:nvSpPr>
           <p:cNvPr id="5" name="Content Placeholder 4"/>
           <p:cNvSpPr>
             <a:spLocks noGrp="1"/>
           </p:cNvSpPr>
           <p:nvPr>
-            <p:ph idx="1"/>
+            <p:ph sz="half" idx="2"/>
           </p:nvPr>
         </p:nvSpPr>
         <p:spPr/>
@@ -20226,36 +20303,85 @@
             <a:pPr lvl="1"/>
             <a:r>
               <a:rPr lang="en-US" dirty="0" smtClean="0"/>
-              <a:t>Informasi transaksi yang akurat membantu management restoran dalam operasional dan perencanaan bisnis</a:t>
+              <a:t>Informasi transaksi yang akurat membantu management restoran dalam operasional dan perencanaan </a:t>
             </a:r>
-          </a:p>
-          <a:p>
             <a:r>
-              <a:rPr lang="en-US" i="1" dirty="0" smtClean="0"/>
+              <a:rPr lang="en-US" dirty="0" smtClean="0"/>
+              <a:t>bisnis</a:t>
+            </a:r>
+            <a:endParaRPr lang="en-US" dirty="0" smtClean="0"/>
+          </a:p>
+        </p:txBody>
+      </p:sp>
+      <p:sp>
+        <p:nvSpPr>
+          <p:cNvPr id="3" name="Text Placeholder 2"/>
+          <p:cNvSpPr>
+            <a:spLocks noGrp="1"/>
+          </p:cNvSpPr>
+          <p:nvPr>
+            <p:ph type="body" sz="quarter" idx="3"/>
+          </p:nvPr>
+        </p:nvSpPr>
+        <p:spPr/>
+        <p:txBody>
+          <a:bodyPr/>
+          <a:lstStyle/>
+          <a:p>
+            <a:r>
+              <a:rPr lang="en-US" dirty="0" smtClean="0"/>
+              <a:t>Untuk otoritas pajak</a:t>
+            </a:r>
+            <a:endParaRPr lang="en-US" dirty="0"/>
+          </a:p>
+        </p:txBody>
+      </p:sp>
+      <p:sp>
+        <p:nvSpPr>
+          <p:cNvPr id="6" name="Content Placeholder 5"/>
+          <p:cNvSpPr>
+            <a:spLocks noGrp="1"/>
+          </p:cNvSpPr>
+          <p:nvPr>
+            <p:ph sz="quarter" idx="4"/>
+          </p:nvPr>
+        </p:nvSpPr>
+        <p:spPr/>
+        <p:txBody>
+          <a:bodyPr>
+            <a:normAutofit fontScale="92500" lnSpcReduction="20000"/>
+          </a:bodyPr>
+          <a:lstStyle/>
+          <a:p>
+            <a:r>
+              <a:rPr lang="en-US" i="1" dirty="0"/>
               <a:t>Operational transparency</a:t>
             </a:r>
           </a:p>
           <a:p>
             <a:pPr lvl="1"/>
             <a:r>
-              <a:rPr lang="en-US" dirty="0" smtClean="0"/>
+              <a:rPr lang="en-US" dirty="0"/>
               <a:t>Informasi transaksi yang transparan membantu otoritas pajak mendapatkan data dan bukti otentik untuk penegakan pengawasan aliran pajak restoran</a:t>
             </a:r>
           </a:p>
           <a:p>
             <a:r>
-              <a:rPr lang="en-US" i="1" dirty="0" smtClean="0"/>
+              <a:rPr lang="en-US" i="1" dirty="0"/>
               <a:t>Monitoring efficiency</a:t>
             </a:r>
           </a:p>
           <a:p>
             <a:pPr lvl="1"/>
             <a:r>
-              <a:rPr lang="en-US" dirty="0" smtClean="0"/>
+              <a:rPr lang="en-US" dirty="0"/>
               <a:t>Memonitor aliran pajak dari ratusan bahkan ribuan restoran tentu merupakan hal yang sulit. Grafik transaksi harian membantu dan memudahkan otoritas pajak dalam mendeteksi restoran mencurigakan</a:t>
             </a:r>
           </a:p>
           <a:p>
+            <a:pPr marL="0" indent="0">
+              <a:buNone/>
+            </a:pPr>
             <a:endParaRPr lang="en-US" dirty="0"/>
           </a:p>
         </p:txBody>
